--- a/reports/Insurance Analysis.pptx
+++ b/reports/Insurance Analysis.pptx
@@ -299,7 +299,7 @@
           <a:p>
             <a:fld id="{1CA5457B-CDAE-4DEB-AEC8-C82DE2312E37}" type="datetimeFigureOut">
               <a:rPr lang="en-US" smtClean="0"/>
-              <a:t>4/17/2024</a:t>
+              <a:t>4/20/2024</a:t>
             </a:fld>
             <a:endParaRPr lang="en-US" dirty="0"/>
           </a:p>
@@ -476,7 +476,7 @@
           <a:p>
             <a:fld id="{090B78EA-28CE-41D8-9043-90E391E5F567}" type="datetimeFigureOut">
               <a:rPr lang="en-US" noProof="0" smtClean="0"/>
-              <a:t>4/17/2024</a:t>
+              <a:t>4/20/2024</a:t>
             </a:fld>
             <a:endParaRPr lang="en-US" noProof="0" dirty="0"/>
           </a:p>
@@ -25590,6 +25590,13 @@
   <p:transition spd="slow">
     <p:wipe/>
   </p:transition>
+  <p:timing>
+    <p:tnLst>
+      <p:par>
+        <p:cTn id="1" dur="indefinite" restart="never" nodeType="tmRoot"/>
+      </p:par>
+    </p:tnLst>
+  </p:timing>
 </p:sld>
 </file>
 
@@ -25721,6 +25728,13 @@
       </p:transition>
     </mc:Fallback>
   </mc:AlternateContent>
+  <p:timing>
+    <p:tnLst>
+      <p:par>
+        <p:cTn id="1" dur="indefinite" restart="never" nodeType="tmRoot"/>
+      </p:par>
+    </p:tnLst>
+  </p:timing>
 </p:sld>
 </file>
 
@@ -25852,6 +25866,13 @@
       </p:transition>
     </mc:Fallback>
   </mc:AlternateContent>
+  <p:timing>
+    <p:tnLst>
+      <p:par>
+        <p:cTn id="1" dur="indefinite" restart="never" nodeType="tmRoot"/>
+      </p:par>
+    </p:tnLst>
+  </p:timing>
 </p:sld>
 </file>
 
@@ -25983,6 +26004,13 @@
       </p:transition>
     </mc:Fallback>
   </mc:AlternateContent>
+  <p:timing>
+    <p:tnLst>
+      <p:par>
+        <p:cTn id="1" dur="indefinite" restart="never" nodeType="tmRoot"/>
+      </p:par>
+    </p:tnLst>
+  </p:timing>
 </p:sld>
 </file>
 
@@ -26114,6 +26142,13 @@
       </p:transition>
     </mc:Fallback>
   </mc:AlternateContent>
+  <p:timing>
+    <p:tnLst>
+      <p:par>
+        <p:cTn id="1" dur="indefinite" restart="never" nodeType="tmRoot"/>
+      </p:par>
+    </p:tnLst>
+  </p:timing>
 </p:sld>
 </file>
 
@@ -26245,6 +26280,13 @@
       </p:transition>
     </mc:Fallback>
   </mc:AlternateContent>
+  <p:timing>
+    <p:tnLst>
+      <p:par>
+        <p:cTn id="1" dur="indefinite" restart="never" nodeType="tmRoot"/>
+      </p:par>
+    </p:tnLst>
+  </p:timing>
 </p:sld>
 </file>
 
@@ -26376,6 +26418,13 @@
       </p:transition>
     </mc:Fallback>
   </mc:AlternateContent>
+  <p:timing>
+    <p:tnLst>
+      <p:par>
+        <p:cTn id="1" dur="indefinite" restart="never" nodeType="tmRoot"/>
+      </p:par>
+    </p:tnLst>
+  </p:timing>
 </p:sld>
 </file>
 
@@ -26507,6 +26556,13 @@
       </p:transition>
     </mc:Fallback>
   </mc:AlternateContent>
+  <p:timing>
+    <p:tnLst>
+      <p:par>
+        <p:cTn id="1" dur="indefinite" restart="never" nodeType="tmRoot"/>
+      </p:par>
+    </p:tnLst>
+  </p:timing>
 </p:sld>
 </file>
 
@@ -26638,6 +26694,13 @@
       </p:transition>
     </mc:Fallback>
   </mc:AlternateContent>
+  <p:timing>
+    <p:tnLst>
+      <p:par>
+        <p:cTn id="1" dur="indefinite" restart="never" nodeType="tmRoot"/>
+      </p:par>
+    </p:tnLst>
+  </p:timing>
 </p:sld>
 </file>
 
@@ -26769,6 +26832,13 @@
       </p:transition>
     </mc:Fallback>
   </mc:AlternateContent>
+  <p:timing>
+    <p:tnLst>
+      <p:par>
+        <p:cTn id="1" dur="indefinite" restart="never" nodeType="tmRoot"/>
+      </p:par>
+    </p:tnLst>
+  </p:timing>
 </p:sld>
 </file>
 
@@ -26900,6 +26970,13 @@
       </p:transition>
     </mc:Fallback>
   </mc:AlternateContent>
+  <p:timing>
+    <p:tnLst>
+      <p:par>
+        <p:cTn id="1" dur="indefinite" restart="never" nodeType="tmRoot"/>
+      </p:par>
+    </p:tnLst>
+  </p:timing>
 </p:sld>
 </file>
 
@@ -26995,15 +27072,7 @@
                   <a:schemeClr val="bg1"/>
                 </a:solidFill>
               </a:rPr>
-              <a:t>data-driven </a:t>
-            </a:r>
-            <a:r>
-              <a:rPr lang="en-US" sz="2000" dirty="0" smtClean="0">
-                <a:solidFill>
-                  <a:schemeClr val="bg1"/>
-                </a:solidFill>
-              </a:rPr>
-              <a:t>decision-making. </a:t>
+              <a:t>data-driven decision-making. </a:t>
             </a:r>
             <a:r>
               <a:rPr lang="en-US" sz="2000" dirty="0">
@@ -27104,6 +27173,13 @@
       </p:transition>
     </mc:Fallback>
   </mc:AlternateContent>
+  <p:timing>
+    <p:tnLst>
+      <p:par>
+        <p:cTn id="1" dur="indefinite" restart="never" nodeType="tmRoot"/>
+      </p:par>
+    </p:tnLst>
+  </p:timing>
 </p:sld>
 </file>
 
@@ -27236,8 +27312,8 @@
         </p:nvSpPr>
         <p:spPr>
           <a:xfrm>
-            <a:off x="238539" y="5300461"/>
-            <a:ext cx="11847443" cy="3807995"/>
+            <a:off x="444500" y="5300461"/>
+            <a:ext cx="11508961" cy="1219609"/>
           </a:xfrm>
         </p:spPr>
         <p:txBody>
@@ -27254,7 +27330,15 @@
             </a:r>
             <a:r>
               <a:rPr lang="en-US" dirty="0"/>
-              <a:t> shows that the distribution of age was uniformly distributed, the distribution of </a:t>
+              <a:t> shows that the distribution of age was uniformly distributed, </a:t>
+            </a:r>
+            <a:r>
+              <a:rPr lang="en-US" dirty="0" smtClean="0"/>
+              <a:t>the </a:t>
+            </a:r>
+            <a:r>
+              <a:rPr lang="en-US" dirty="0"/>
+              <a:t>distribution of </a:t>
             </a:r>
             <a:r>
               <a:rPr lang="en-US" dirty="0" err="1"/>
@@ -27262,7 +27346,15 @@
             </a:r>
             <a:r>
               <a:rPr lang="en-US" dirty="0"/>
-              <a:t> was normally distributed, and the distribution of charges was </a:t>
+              <a:t> was normally distributed, </a:t>
+            </a:r>
+            <a:r>
+              <a:rPr lang="en-US" dirty="0" smtClean="0"/>
+              <a:t>and </a:t>
+            </a:r>
+            <a:r>
+              <a:rPr lang="en-US" dirty="0"/>
+              <a:t>the distribution of charges was </a:t>
             </a:r>
             <a:r>
               <a:rPr lang="en-US" dirty="0" err="1"/>
@@ -27297,6 +27389,13 @@
       </p:transition>
     </mc:Fallback>
   </mc:AlternateContent>
+  <p:timing>
+    <p:tnLst>
+      <p:par>
+        <p:cTn id="1" dur="indefinite" restart="never" nodeType="tmRoot"/>
+      </p:par>
+    </p:tnLst>
+  </p:timing>
 </p:sld>
 </file>
 
@@ -27469,6 +27568,13 @@
       </p:transition>
     </mc:Fallback>
   </mc:AlternateContent>
+  <p:timing>
+    <p:tnLst>
+      <p:par>
+        <p:cTn id="1" dur="indefinite" restart="never" nodeType="tmRoot"/>
+      </p:par>
+    </p:tnLst>
+  </p:timing>
 </p:sld>
 </file>
 
@@ -27683,6 +27789,13 @@
       </p:transition>
     </mc:Fallback>
   </mc:AlternateContent>
+  <p:timing>
+    <p:tnLst>
+      <p:par>
+        <p:cTn id="1" dur="indefinite" restart="never" nodeType="tmRoot"/>
+      </p:par>
+    </p:tnLst>
+  </p:timing>
 </p:sld>
 </file>
 
@@ -27928,6 +28041,13 @@
       </p:transition>
     </mc:Fallback>
   </mc:AlternateContent>
+  <p:timing>
+    <p:tnLst>
+      <p:par>
+        <p:cTn id="1" dur="indefinite" restart="never" nodeType="tmRoot"/>
+      </p:par>
+    </p:tnLst>
+  </p:timing>
 </p:sld>
 </file>
 
@@ -28053,15 +28173,7 @@
             </a:r>
             <a:r>
               <a:rPr lang="en-US" sz="2000" dirty="0"/>
-              <a:t>. This is subject for cross-validation. Encode the categorical features using </a:t>
-            </a:r>
-            <a:r>
-              <a:rPr lang="en-US" sz="2000" dirty="0" err="1"/>
-              <a:t>OneHotEncoder</a:t>
-            </a:r>
-            <a:r>
-              <a:rPr lang="en-US" sz="2000" dirty="0"/>
-              <a:t>. Normalize the target variable on the log-scale using log-transformation. To do these task, we can build an ML pipeline that can streamline all of these steps in one go</a:t>
+              <a:t>. </a:t>
             </a:r>
           </a:p>
         </p:txBody>
@@ -28150,6 +28262,13 @@
       </p:transition>
     </mc:Fallback>
   </mc:AlternateContent>
+  <p:timing>
+    <p:tnLst>
+      <p:par>
+        <p:cTn id="1" dur="indefinite" restart="never" nodeType="tmRoot"/>
+      </p:par>
+    </p:tnLst>
+  </p:timing>
 </p:sld>
 </file>
 
@@ -28352,6 +28471,13 @@
       </p:transition>
     </mc:Fallback>
   </mc:AlternateContent>
+  <p:timing>
+    <p:tnLst>
+      <p:par>
+        <p:cTn id="1" dur="indefinite" restart="never" nodeType="tmRoot"/>
+      </p:par>
+    </p:tnLst>
+  </p:timing>
 </p:sld>
 </file>
 
@@ -28397,7 +28523,6 @@
               <a:rPr lang="en-US" dirty="0"/>
               <a:t>Conclusions</a:t>
             </a:r>
-            <a:endParaRPr lang="en-US" dirty="0"/>
           </a:p>
         </p:txBody>
       </p:sp>
@@ -28513,6 +28638,13 @@
       </p:transition>
     </mc:Fallback>
   </mc:AlternateContent>
+  <p:timing>
+    <p:tnLst>
+      <p:par>
+        <p:cTn id="1" dur="indefinite" restart="never" nodeType="tmRoot"/>
+      </p:par>
+    </p:tnLst>
+  </p:timing>
 </p:sld>
 </file>
 
@@ -28696,6 +28828,13 @@
       </p:transition>
     </mc:Fallback>
   </mc:AlternateContent>
+  <p:timing>
+    <p:tnLst>
+      <p:par>
+        <p:cTn id="1" dur="indefinite" restart="never" nodeType="tmRoot"/>
+      </p:par>
+    </p:tnLst>
+  </p:timing>
 </p:sld>
 </file>
 
@@ -28741,7 +28880,6 @@
               <a:rPr lang="en-US" dirty="0"/>
               <a:t>Conclusions</a:t>
             </a:r>
-            <a:endParaRPr lang="en-US" dirty="0"/>
           </a:p>
         </p:txBody>
       </p:sp>
@@ -28832,7 +28970,6 @@
               <a:rPr lang="en-US" sz="2400" dirty="0"/>
               <a:t>For smokers, the price of their premium primarily depends on the interaction between their BMI and age. Smokers with an obese BMI tend to face higher premium charges.</a:t>
             </a:r>
-            <a:endParaRPr lang="en-US" sz="2400" dirty="0"/>
           </a:p>
         </p:txBody>
       </p:sp>
@@ -28863,7 +29000,6 @@
               <a:rPr lang="en-US" sz="2400" dirty="0"/>
               <a:t>Non-smokers’ premium charges are mainly influenced by their age, number of children, and BMI. Individuals in their early 20s with no children and a BMI within the healthy to overweight range have the lowest premium prices. As insured individuals age or have more children, the insurance premium increases.</a:t>
             </a:r>
-            <a:endParaRPr lang="en-US" sz="2400" dirty="0"/>
           </a:p>
         </p:txBody>
       </p:sp>
@@ -28914,6 +29050,13 @@
       </p:transition>
     </mc:Fallback>
   </mc:AlternateContent>
+  <p:timing>
+    <p:tnLst>
+      <p:par>
+        <p:cTn id="1" dur="indefinite" restart="never" nodeType="tmRoot"/>
+      </p:par>
+    </p:tnLst>
+  </p:timing>
 </p:sld>
 </file>
 
@@ -29088,6 +29231,13 @@
       </p:transition>
     </mc:Fallback>
   </mc:AlternateContent>
+  <p:timing>
+    <p:tnLst>
+      <p:par>
+        <p:cTn id="1" dur="indefinite" restart="never" nodeType="tmRoot"/>
+      </p:par>
+    </p:tnLst>
+  </p:timing>
 </p:sld>
 </file>
 
@@ -29247,6 +29397,13 @@
       </p:transition>
     </mc:Fallback>
   </mc:AlternateContent>
+  <p:timing>
+    <p:tnLst>
+      <p:par>
+        <p:cTn id="1" dur="indefinite" restart="never" nodeType="tmRoot"/>
+      </p:par>
+    </p:tnLst>
+  </p:timing>
 </p:sld>
 </file>
 
@@ -29309,6 +29466,13 @@
   <p:transition spd="slow">
     <p:wipe/>
   </p:transition>
+  <p:timing>
+    <p:tnLst>
+      <p:par>
+        <p:cTn id="1" dur="indefinite" restart="never" nodeType="tmRoot"/>
+      </p:par>
+    </p:tnLst>
+  </p:timing>
 </p:sld>
 </file>
 
@@ -29504,6 +29668,13 @@
       </p:transition>
     </mc:Fallback>
   </mc:AlternateContent>
+  <p:timing>
+    <p:tnLst>
+      <p:par>
+        <p:cTn id="1" dur="indefinite" restart="never" nodeType="tmRoot"/>
+      </p:par>
+    </p:tnLst>
+  </p:timing>
 </p:sld>
 </file>
 
@@ -29674,6 +29845,13 @@
       </p:transition>
     </mc:Fallback>
   </mc:AlternateContent>
+  <p:timing>
+    <p:tnLst>
+      <p:par>
+        <p:cTn id="1" dur="indefinite" restart="never" nodeType="tmRoot"/>
+      </p:par>
+    </p:tnLst>
+  </p:timing>
 </p:sld>
 </file>
 
@@ -29759,11 +29937,11 @@
             </a:r>
             <a:r>
               <a:rPr lang="en-US" dirty="0" err="1" smtClean="0"/>
-              <a:t>Kaggle</a:t>
+              <a:t>kaggle</a:t>
             </a:r>
             <a:r>
               <a:rPr lang="en-US" dirty="0" smtClean="0"/>
-              <a:t>: </a:t>
+              <a:t> :  </a:t>
             </a:r>
             <a:r>
               <a:rPr lang="en-US" dirty="0">
@@ -29827,6 +30005,13 @@
       </p:transition>
     </mc:Fallback>
   </mc:AlternateContent>
+  <p:timing>
+    <p:tnLst>
+      <p:par>
+        <p:cTn id="1" dur="indefinite" restart="never" nodeType="tmRoot"/>
+      </p:par>
+    </p:tnLst>
+  </p:timing>
 </p:sld>
 </file>
 
@@ -29940,6 +30125,13 @@
       </p:transition>
     </mc:Fallback>
   </mc:AlternateContent>
+  <p:timing>
+    <p:tnLst>
+      <p:par>
+        <p:cTn id="1" dur="indefinite" restart="never" nodeType="tmRoot"/>
+      </p:par>
+    </p:tnLst>
+  </p:timing>
 </p:sld>
 </file>
 
@@ -30135,6 +30327,13 @@
       </p:transition>
     </mc:Fallback>
   </mc:AlternateContent>
+  <p:timing>
+    <p:tnLst>
+      <p:par>
+        <p:cTn id="1" dur="indefinite" restart="never" nodeType="tmRoot"/>
+      </p:par>
+    </p:tnLst>
+  </p:timing>
 </p:sld>
 </file>
 
@@ -31039,6 +31238,13 @@
       </p:transition>
     </mc:Fallback>
   </mc:AlternateContent>
+  <p:timing>
+    <p:tnLst>
+      <p:par>
+        <p:cTn id="1" dur="indefinite" restart="never" nodeType="tmRoot"/>
+      </p:par>
+    </p:tnLst>
+  </p:timing>
 </p:sld>
 </file>
 
@@ -31843,14 +32049,6 @@
 </file>
 
 <file path=customXml/item2.xml><?xml version="1.0" encoding="utf-8"?>
-<p:properties xmlns:p="http://schemas.microsoft.com/office/2006/metadata/properties" xmlns:xsi="http://www.w3.org/2001/XMLSchema-instance" xmlns:pc="http://schemas.microsoft.com/office/infopath/2007/PartnerControls">
-  <documentManagement>
-    <MediaServiceKeyPoints xmlns="71af3243-3dd4-4a8d-8c0d-dd76da1f02a5" xsi:nil="true"/>
-  </documentManagement>
-</p:properties>
-</file>
-
-<file path=customXml/item3.xml><?xml version="1.0" encoding="utf-8"?>
 <ct:contentTypeSchema xmlns:ct="http://schemas.microsoft.com/office/2006/metadata/contentType" xmlns:ma="http://schemas.microsoft.com/office/2006/metadata/properties/metaAttributes" ct:_="" ma:_="" ma:contentTypeName="Document" ma:contentTypeID="0x01010079F111ED35F8CC479449609E8A0923A6" ma:contentTypeVersion="11" ma:contentTypeDescription="Create a new document." ma:contentTypeScope="" ma:versionID="96291512c1ee715ab617f4c07df79fc1">
   <xsd:schema xmlns:xsd="http://www.w3.org/2001/XMLSchema" xmlns:xs="http://www.w3.org/2001/XMLSchema" xmlns:p="http://schemas.microsoft.com/office/2006/metadata/properties" xmlns:ns2="71af3243-3dd4-4a8d-8c0d-dd76da1f02a5" xmlns:ns3="16c05727-aa75-4e4a-9b5f-8a80a1165891" targetNamespace="http://schemas.microsoft.com/office/2006/metadata/properties" ma:root="true" ma:fieldsID="8256c27c40ca5c40ce1cf6c44f0205df" ns2:_="" ns3:_="">
     <xsd:import namespace="71af3243-3dd4-4a8d-8c0d-dd76da1f02a5"/>
@@ -32061,6 +32259,14 @@
 </ct:contentTypeSchema>
 </file>
 
+<file path=customXml/item3.xml><?xml version="1.0" encoding="utf-8"?>
+<p:properties xmlns:p="http://schemas.microsoft.com/office/2006/metadata/properties" xmlns:xsi="http://www.w3.org/2001/XMLSchema-instance" xmlns:pc="http://schemas.microsoft.com/office/infopath/2007/PartnerControls">
+  <documentManagement>
+    <MediaServiceKeyPoints xmlns="71af3243-3dd4-4a8d-8c0d-dd76da1f02a5" xsi:nil="true"/>
+  </documentManagement>
+</p:properties>
+</file>
+
 <file path=customXml/itemProps1.xml><?xml version="1.0" encoding="utf-8"?>
 <ds:datastoreItem xmlns:ds="http://schemas.openxmlformats.org/officeDocument/2006/customXml" ds:itemID="{5B26E0C9-B2AA-42E6-97B6-E1B7D9EAF129}">
   <ds:schemaRefs>
@@ -32070,16 +32276,6 @@
 </file>
 
 <file path=customXml/itemProps2.xml><?xml version="1.0" encoding="utf-8"?>
-<ds:datastoreItem xmlns:ds="http://schemas.openxmlformats.org/officeDocument/2006/customXml" ds:itemID="{F5757914-1161-4661-9696-421FD6935CDD}">
-  <ds:schemaRefs>
-    <ds:schemaRef ds:uri="http://schemas.microsoft.com/office/2006/metadata/properties"/>
-    <ds:schemaRef ds:uri="http://schemas.microsoft.com/office/infopath/2007/PartnerControls"/>
-    <ds:schemaRef ds:uri="71af3243-3dd4-4a8d-8c0d-dd76da1f02a5"/>
-  </ds:schemaRefs>
-</ds:datastoreItem>
-</file>
-
-<file path=customXml/itemProps3.xml><?xml version="1.0" encoding="utf-8"?>
 <ds:datastoreItem xmlns:ds="http://schemas.openxmlformats.org/officeDocument/2006/customXml" ds:itemID="{4C103400-4A22-4E35-B588-4C4D42638959}">
   <ds:schemaRefs>
     <ds:schemaRef ds:uri="http://schemas.microsoft.com/office/2006/metadata/contentType"/>
@@ -32096,4 +32292,14 @@
     <ds:schemaRef ds:uri="http://schemas.microsoft.com/internal/obd"/>
   </ds:schemaRefs>
 </ds:datastoreItem>
+</file>
+
+<file path=customXml/itemProps3.xml><?xml version="1.0" encoding="utf-8"?>
+<ds:datastoreItem xmlns:ds="http://schemas.openxmlformats.org/officeDocument/2006/customXml" ds:itemID="{F5757914-1161-4661-9696-421FD6935CDD}">
+  <ds:schemaRefs>
+    <ds:schemaRef ds:uri="http://schemas.microsoft.com/office/2006/metadata/properties"/>
+    <ds:schemaRef ds:uri="http://schemas.microsoft.com/office/infopath/2007/PartnerControls"/>
+    <ds:schemaRef ds:uri="71af3243-3dd4-4a8d-8c0d-dd76da1f02a5"/>
+  </ds:schemaRefs>
+</ds:datastoreItem>
 </file>